--- a/Data structures presentation.pptx
+++ b/Data structures presentation.pptx
@@ -5,22 +5,21 @@
     <p:sldMasterId id="2147483679" r:id="rId1"/>
   </p:sldMasterIdLst>
   <p:sldIdLst>
-    <p:sldId id="260" r:id="rId2"/>
-    <p:sldId id="256" r:id="rId3"/>
-    <p:sldId id="257" r:id="rId4"/>
-    <p:sldId id="263" r:id="rId5"/>
-    <p:sldId id="259" r:id="rId6"/>
-    <p:sldId id="261" r:id="rId7"/>
-    <p:sldId id="279" r:id="rId8"/>
-    <p:sldId id="281" r:id="rId9"/>
-    <p:sldId id="283" r:id="rId10"/>
-    <p:sldId id="285" r:id="rId11"/>
-    <p:sldId id="273" r:id="rId12"/>
-    <p:sldId id="274" r:id="rId13"/>
-    <p:sldId id="275" r:id="rId14"/>
-    <p:sldId id="277" r:id="rId15"/>
-    <p:sldId id="276" r:id="rId16"/>
-    <p:sldId id="258" r:id="rId17"/>
+    <p:sldId id="256" r:id="rId2"/>
+    <p:sldId id="257" r:id="rId3"/>
+    <p:sldId id="263" r:id="rId4"/>
+    <p:sldId id="259" r:id="rId5"/>
+    <p:sldId id="261" r:id="rId6"/>
+    <p:sldId id="279" r:id="rId7"/>
+    <p:sldId id="281" r:id="rId8"/>
+    <p:sldId id="283" r:id="rId9"/>
+    <p:sldId id="285" r:id="rId10"/>
+    <p:sldId id="273" r:id="rId11"/>
+    <p:sldId id="274" r:id="rId12"/>
+    <p:sldId id="275" r:id="rId13"/>
+    <p:sldId id="277" r:id="rId14"/>
+    <p:sldId id="276" r:id="rId15"/>
+    <p:sldId id="258" r:id="rId16"/>
   </p:sldIdLst>
   <p:sldSz cx="9144000" cy="6858000" type="screen4x3"/>
   <p:notesSz cx="6858000" cy="9144000"/>
@@ -225,6 +224,13 @@
               <a:schemeClr val="lt1"/>
             </a:fontRef>
           </p:style>
+          <p:txBody>
+            <a:bodyPr/>
+            <a:lstStyle/>
+            <a:p>
+              <a:endParaRPr lang="en-PK"/>
+            </a:p>
+          </p:txBody>
         </p:sp>
         <p:sp>
           <p:nvSpPr>
@@ -282,6 +288,13 @@
               <a:schemeClr val="lt1"/>
             </a:fontRef>
           </p:style>
+          <p:txBody>
+            <a:bodyPr/>
+            <a:lstStyle/>
+            <a:p>
+              <a:endParaRPr lang="en-PK"/>
+            </a:p>
+          </p:txBody>
         </p:sp>
         <p:sp>
           <p:nvSpPr>
@@ -339,6 +352,13 @@
               <a:schemeClr val="lt1"/>
             </a:fontRef>
           </p:style>
+          <p:txBody>
+            <a:bodyPr/>
+            <a:lstStyle/>
+            <a:p>
+              <a:endParaRPr lang="en-PK"/>
+            </a:p>
+          </p:txBody>
         </p:sp>
         <p:sp>
           <p:nvSpPr>
@@ -402,6 +422,13 @@
               <a:schemeClr val="lt1"/>
             </a:fontRef>
           </p:style>
+          <p:txBody>
+            <a:bodyPr/>
+            <a:lstStyle/>
+            <a:p>
+              <a:endParaRPr lang="en-PK"/>
+            </a:p>
+          </p:txBody>
         </p:sp>
         <p:sp>
           <p:nvSpPr>
@@ -465,6 +492,13 @@
               <a:schemeClr val="lt1"/>
             </a:fontRef>
           </p:style>
+          <p:txBody>
+            <a:bodyPr/>
+            <a:lstStyle/>
+            <a:p>
+              <a:endParaRPr lang="en-PK"/>
+            </a:p>
+          </p:txBody>
         </p:sp>
         <p:sp>
           <p:nvSpPr>
@@ -522,6 +556,13 @@
               <a:schemeClr val="lt1"/>
             </a:fontRef>
           </p:style>
+          <p:txBody>
+            <a:bodyPr/>
+            <a:lstStyle/>
+            <a:p>
+              <a:endParaRPr lang="en-PK"/>
+            </a:p>
+          </p:txBody>
         </p:sp>
         <p:sp>
           <p:nvSpPr>
@@ -587,7 +628,7 @@
             </a:ln>
             <a:extLst>
               <a:ext uri="{91240B29-F687-4f45-9708-019B960494DF}">
-                <a14:hiddenLine xmlns:a14="http://schemas.microsoft.com/office/drawing/2010/main" xmlns="" w="9525">
+                <a14:hiddenLine xmlns="" xmlns:a14="http://schemas.microsoft.com/office/drawing/2010/main" w="9525">
                   <a:solidFill>
                     <a:srgbClr val="000000"/>
                   </a:solidFill>
@@ -598,6 +639,13 @@
               </a:ext>
             </a:extLst>
           </p:spPr>
+          <p:txBody>
+            <a:bodyPr/>
+            <a:lstStyle/>
+            <a:p>
+              <a:endParaRPr lang="en-PK"/>
+            </a:p>
+          </p:txBody>
         </p:sp>
       </p:grpSp>
       <p:sp>
@@ -780,7 +828,7 @@
             <a:fld id="{53074F12-AA26-4AC8-9962-C36BB8F32554}" type="datetimeFigureOut">
               <a:rPr lang="en-US" smtClean="0"/>
               <a:pPr/>
-              <a:t>18-Dec-18</a:t>
+              <a:t>1/1/2026</a:t>
             </a:fld>
             <a:endParaRPr lang="en-US"/>
           </a:p>
@@ -853,6 +901,13 @@
             <a:schemeClr val="lt1"/>
           </a:fontRef>
         </p:style>
+        <p:txBody>
+          <a:bodyPr/>
+          <a:lstStyle/>
+          <a:p>
+            <a:endParaRPr lang="en-PK"/>
+          </a:p>
+        </p:txBody>
       </p:sp>
       <p:sp>
         <p:nvSpPr>
@@ -1681,7 +1736,7 @@
             </a:ln>
             <a:extLst>
               <a:ext uri="{91240B29-F687-4f45-9708-019B960494DF}">
-                <a14:hiddenLine xmlns:a14="http://schemas.microsoft.com/office/drawing/2010/main" xmlns="" w="9525">
+                <a14:hiddenLine xmlns="" xmlns:a14="http://schemas.microsoft.com/office/drawing/2010/main" w="9525">
                   <a:solidFill>
                     <a:srgbClr val="000000"/>
                   </a:solidFill>
@@ -1896,7 +1951,7 @@
             <a:fld id="{53074F12-AA26-4AC8-9962-C36BB8F32554}" type="datetimeFigureOut">
               <a:rPr lang="en-US" smtClean="0"/>
               <a:pPr/>
-              <a:t>18-Dec-18</a:t>
+              <a:t>1/1/2026</a:t>
             </a:fld>
             <a:endParaRPr lang="en-US"/>
           </a:p>
@@ -2775,7 +2830,7 @@
             </a:ln>
             <a:extLst>
               <a:ext uri="{91240B29-F687-4f45-9708-019B960494DF}">
-                <a14:hiddenLine xmlns:a14="http://schemas.microsoft.com/office/drawing/2010/main" xmlns="" w="9525">
+                <a14:hiddenLine xmlns="" xmlns:a14="http://schemas.microsoft.com/office/drawing/2010/main" w="9525">
                   <a:solidFill>
                     <a:srgbClr val="000000"/>
                   </a:solidFill>
@@ -2905,7 +2960,7 @@
             <a:fld id="{53074F12-AA26-4AC8-9962-C36BB8F32554}" type="datetimeFigureOut">
               <a:rPr lang="en-US" smtClean="0"/>
               <a:pPr/>
-              <a:t>18-Dec-18</a:t>
+              <a:t>1/1/2026</a:t>
             </a:fld>
             <a:endParaRPr lang="en-US"/>
           </a:p>
@@ -3747,7 +3802,7 @@
             </a:ln>
             <a:extLst>
               <a:ext uri="{91240B29-F687-4f45-9708-019B960494DF}">
-                <a14:hiddenLine xmlns:a14="http://schemas.microsoft.com/office/drawing/2010/main" xmlns="" w="9525">
+                <a14:hiddenLine xmlns="" xmlns:a14="http://schemas.microsoft.com/office/drawing/2010/main" w="9525">
                   <a:solidFill>
                     <a:srgbClr val="000000"/>
                   </a:solidFill>
@@ -4035,7 +4090,7 @@
             <a:fld id="{53074F12-AA26-4AC8-9962-C36BB8F32554}" type="datetimeFigureOut">
               <a:rPr lang="en-US" smtClean="0"/>
               <a:pPr/>
-              <a:t>18-Dec-18</a:t>
+              <a:t>1/1/2026</a:t>
             </a:fld>
             <a:endParaRPr lang="en-US"/>
           </a:p>
@@ -4877,7 +4932,7 @@
             </a:ln>
             <a:extLst>
               <a:ext uri="{91240B29-F687-4f45-9708-019B960494DF}">
-                <a14:hiddenLine xmlns:a14="http://schemas.microsoft.com/office/drawing/2010/main" xmlns="" w="9525">
+                <a14:hiddenLine xmlns="" xmlns:a14="http://schemas.microsoft.com/office/drawing/2010/main" w="9525">
                   <a:solidFill>
                     <a:srgbClr val="000000"/>
                   </a:solidFill>
@@ -5059,7 +5114,7 @@
             <a:fld id="{53074F12-AA26-4AC8-9962-C36BB8F32554}" type="datetimeFigureOut">
               <a:rPr lang="en-US" smtClean="0"/>
               <a:pPr/>
-              <a:t>18-Dec-18</a:t>
+              <a:t>1/1/2026</a:t>
             </a:fld>
             <a:endParaRPr lang="en-US"/>
           </a:p>
@@ -5720,7 +5775,7 @@
             <a:fld id="{53074F12-AA26-4AC8-9962-C36BB8F32554}" type="datetimeFigureOut">
               <a:rPr lang="en-US" smtClean="0"/>
               <a:pPr/>
-              <a:t>18-Dec-18</a:t>
+              <a:t>1/1/2026</a:t>
             </a:fld>
             <a:endParaRPr lang="en-US"/>
           </a:p>
@@ -6582,7 +6637,7 @@
             <a:fld id="{53074F12-AA26-4AC8-9962-C36BB8F32554}" type="datetimeFigureOut">
               <a:rPr lang="en-US" smtClean="0"/>
               <a:pPr/>
-              <a:t>18-Dec-18</a:t>
+              <a:t>1/1/2026</a:t>
             </a:fld>
             <a:endParaRPr lang="en-US"/>
           </a:p>
@@ -6762,7 +6817,7 @@
             <a:fld id="{53074F12-AA26-4AC8-9962-C36BB8F32554}" type="datetimeFigureOut">
               <a:rPr lang="en-US" smtClean="0"/>
               <a:pPr/>
-              <a:t>18-Dec-18</a:t>
+              <a:t>1/1/2026</a:t>
             </a:fld>
             <a:endParaRPr lang="en-US"/>
           </a:p>
@@ -7601,7 +7656,7 @@
             </a:ln>
             <a:extLst>
               <a:ext uri="{91240B29-F687-4f45-9708-019B960494DF}">
-                <a14:hiddenLine xmlns:a14="http://schemas.microsoft.com/office/drawing/2010/main" xmlns="" w="9525">
+                <a14:hiddenLine xmlns="" xmlns:a14="http://schemas.microsoft.com/office/drawing/2010/main" w="9525">
                   <a:solidFill>
                     <a:srgbClr val="000000"/>
                   </a:solidFill>
@@ -7717,7 +7772,7 @@
             <a:fld id="{53074F12-AA26-4AC8-9962-C36BB8F32554}" type="datetimeFigureOut">
               <a:rPr lang="en-US" smtClean="0"/>
               <a:pPr/>
-              <a:t>18-Dec-18</a:t>
+              <a:t>1/1/2026</a:t>
             </a:fld>
             <a:endParaRPr lang="en-US"/>
           </a:p>
@@ -7933,7 +7988,7 @@
             <a:fld id="{53074F12-AA26-4AC8-9962-C36BB8F32554}" type="datetimeFigureOut">
               <a:rPr lang="en-US" smtClean="0"/>
               <a:pPr/>
-              <a:t>18-Dec-18</a:t>
+              <a:t>1/1/2026</a:t>
             </a:fld>
             <a:endParaRPr lang="en-US"/>
           </a:p>
@@ -8781,7 +8836,7 @@
             </a:ln>
             <a:extLst>
               <a:ext uri="{91240B29-F687-4f45-9708-019B960494DF}">
-                <a14:hiddenLine xmlns:a14="http://schemas.microsoft.com/office/drawing/2010/main" xmlns="" w="9525">
+                <a14:hiddenLine xmlns="" xmlns:a14="http://schemas.microsoft.com/office/drawing/2010/main" w="9525">
                   <a:solidFill>
                     <a:srgbClr val="000000"/>
                   </a:solidFill>
@@ -8961,7 +9016,7 @@
             <a:fld id="{53074F12-AA26-4AC8-9962-C36BB8F32554}" type="datetimeFigureOut">
               <a:rPr lang="en-US" smtClean="0"/>
               <a:pPr/>
-              <a:t>18-Dec-18</a:t>
+              <a:t>1/1/2026</a:t>
             </a:fld>
             <a:endParaRPr lang="en-US"/>
           </a:p>
@@ -9252,7 +9307,7 @@
             <a:fld id="{53074F12-AA26-4AC8-9962-C36BB8F32554}" type="datetimeFigureOut">
               <a:rPr lang="en-US" smtClean="0"/>
               <a:pPr/>
-              <a:t>18-Dec-18</a:t>
+              <a:t>1/1/2026</a:t>
             </a:fld>
             <a:endParaRPr lang="en-US"/>
           </a:p>
@@ -9653,7 +9708,7 @@
             <a:fld id="{53074F12-AA26-4AC8-9962-C36BB8F32554}" type="datetimeFigureOut">
               <a:rPr lang="en-US" smtClean="0"/>
               <a:pPr/>
-              <a:t>18-Dec-18</a:t>
+              <a:t>1/1/2026</a:t>
             </a:fld>
             <a:endParaRPr lang="en-US"/>
           </a:p>
@@ -9790,7 +9845,7 @@
             <a:fld id="{53074F12-AA26-4AC8-9962-C36BB8F32554}" type="datetimeFigureOut">
               <a:rPr lang="en-US" smtClean="0"/>
               <a:pPr/>
-              <a:t>18-Dec-18</a:t>
+              <a:t>1/1/2026</a:t>
             </a:fld>
             <a:endParaRPr lang="en-US"/>
           </a:p>
@@ -9904,7 +9959,7 @@
             <a:fld id="{53074F12-AA26-4AC8-9962-C36BB8F32554}" type="datetimeFigureOut">
               <a:rPr lang="en-US" smtClean="0"/>
               <a:pPr/>
-              <a:t>18-Dec-18</a:t>
+              <a:t>1/1/2026</a:t>
             </a:fld>
             <a:endParaRPr lang="en-US"/>
           </a:p>
@@ -10779,7 +10834,7 @@
             </a:ln>
             <a:extLst>
               <a:ext uri="{91240B29-F687-4f45-9708-019B960494DF}">
-                <a14:hiddenLine xmlns:a14="http://schemas.microsoft.com/office/drawing/2010/main" xmlns="" w="9525">
+                <a14:hiddenLine xmlns="" xmlns:a14="http://schemas.microsoft.com/office/drawing/2010/main" w="9525">
                   <a:solidFill>
                     <a:srgbClr val="000000"/>
                   </a:solidFill>
@@ -10970,7 +11025,7 @@
             <a:fld id="{53074F12-AA26-4AC8-9962-C36BB8F32554}" type="datetimeFigureOut">
               <a:rPr lang="en-US" smtClean="0"/>
               <a:pPr/>
-              <a:t>18-Dec-18</a:t>
+              <a:t>1/1/2026</a:t>
             </a:fld>
             <a:endParaRPr lang="en-US"/>
           </a:p>
@@ -11845,7 +11900,7 @@
             </a:ln>
             <a:extLst>
               <a:ext uri="{91240B29-F687-4f45-9708-019B960494DF}">
-                <a14:hiddenLine xmlns:a14="http://schemas.microsoft.com/office/drawing/2010/main" xmlns="" w="9525">
+                <a14:hiddenLine xmlns="" xmlns:a14="http://schemas.microsoft.com/office/drawing/2010/main" w="9525">
                   <a:solidFill>
                     <a:srgbClr val="000000"/>
                   </a:solidFill>
@@ -12060,7 +12115,7 @@
             <a:fld id="{53074F12-AA26-4AC8-9962-C36BB8F32554}" type="datetimeFigureOut">
               <a:rPr lang="en-US" smtClean="0"/>
               <a:pPr/>
-              <a:t>18-Dec-18</a:t>
+              <a:t>1/1/2026</a:t>
             </a:fld>
             <a:endParaRPr lang="en-US"/>
           </a:p>
@@ -12258,6 +12313,13 @@
               <a:schemeClr val="lt1"/>
             </a:fontRef>
           </p:style>
+          <p:txBody>
+            <a:bodyPr/>
+            <a:lstStyle/>
+            <a:p>
+              <a:endParaRPr lang="en-PK"/>
+            </a:p>
+          </p:txBody>
         </p:sp>
         <p:sp>
           <p:nvSpPr>
@@ -12315,6 +12377,13 @@
               <a:schemeClr val="lt1"/>
             </a:fontRef>
           </p:style>
+          <p:txBody>
+            <a:bodyPr/>
+            <a:lstStyle/>
+            <a:p>
+              <a:endParaRPr lang="en-PK"/>
+            </a:p>
+          </p:txBody>
         </p:sp>
         <p:sp>
           <p:nvSpPr>
@@ -12372,6 +12441,13 @@
               <a:schemeClr val="lt1"/>
             </a:fontRef>
           </p:style>
+          <p:txBody>
+            <a:bodyPr/>
+            <a:lstStyle/>
+            <a:p>
+              <a:endParaRPr lang="en-PK"/>
+            </a:p>
+          </p:txBody>
         </p:sp>
         <p:sp>
           <p:nvSpPr>
@@ -12435,6 +12511,13 @@
               <a:schemeClr val="lt1"/>
             </a:fontRef>
           </p:style>
+          <p:txBody>
+            <a:bodyPr/>
+            <a:lstStyle/>
+            <a:p>
+              <a:endParaRPr lang="en-PK"/>
+            </a:p>
+          </p:txBody>
         </p:sp>
         <p:sp>
           <p:nvSpPr>
@@ -12498,6 +12581,13 @@
               <a:schemeClr val="lt1"/>
             </a:fontRef>
           </p:style>
+          <p:txBody>
+            <a:bodyPr/>
+            <a:lstStyle/>
+            <a:p>
+              <a:endParaRPr lang="en-PK"/>
+            </a:p>
+          </p:txBody>
         </p:sp>
         <p:sp>
           <p:nvSpPr>
@@ -12555,6 +12645,13 @@
               <a:schemeClr val="lt1"/>
             </a:fontRef>
           </p:style>
+          <p:txBody>
+            <a:bodyPr/>
+            <a:lstStyle/>
+            <a:p>
+              <a:endParaRPr lang="en-PK"/>
+            </a:p>
+          </p:txBody>
         </p:sp>
         <p:sp>
           <p:nvSpPr>
@@ -12702,6 +12799,13 @@
               <a:noFill/>
             </a:ln>
           </p:spPr>
+          <p:txBody>
+            <a:bodyPr/>
+            <a:lstStyle/>
+            <a:p>
+              <a:endParaRPr lang="en-PK"/>
+            </a:p>
+          </p:txBody>
         </p:sp>
         <p:sp>
           <p:nvSpPr>
@@ -12838,6 +12942,13 @@
               <a:noFill/>
             </a:ln>
           </p:spPr>
+          <p:txBody>
+            <a:bodyPr/>
+            <a:lstStyle/>
+            <a:p>
+              <a:endParaRPr lang="en-PK"/>
+            </a:p>
+          </p:txBody>
         </p:sp>
         <p:sp>
           <p:nvSpPr>
@@ -12903,7 +13014,7 @@
             </a:ln>
             <a:extLst>
               <a:ext uri="{91240B29-F687-4f45-9708-019B960494DF}">
-                <a14:hiddenLine xmlns:a14="http://schemas.microsoft.com/office/drawing/2010/main" xmlns="" w="9525">
+                <a14:hiddenLine xmlns="" xmlns:a14="http://schemas.microsoft.com/office/drawing/2010/main" w="9525">
                   <a:solidFill>
                     <a:srgbClr val="000000"/>
                   </a:solidFill>
@@ -12914,6 +13025,13 @@
               </a:ext>
             </a:extLst>
           </p:spPr>
+          <p:txBody>
+            <a:bodyPr/>
+            <a:lstStyle/>
+            <a:p>
+              <a:endParaRPr lang="en-PK"/>
+            </a:p>
+          </p:txBody>
         </p:sp>
       </p:grpSp>
       <p:sp>
@@ -13046,7 +13164,7 @@
             <a:fld id="{53074F12-AA26-4AC8-9962-C36BB8F32554}" type="datetimeFigureOut">
               <a:rPr lang="en-US" smtClean="0"/>
               <a:pPr/>
-              <a:t>18-Dec-18</a:t>
+              <a:t>1/1/2026</a:t>
             </a:fld>
             <a:endParaRPr lang="en-US"/>
           </a:p>
@@ -13122,6 +13240,13 @@
             <a:schemeClr val="lt1"/>
           </a:fontRef>
         </p:style>
+        <p:txBody>
+          <a:bodyPr/>
+          <a:lstStyle/>
+          <a:p>
+            <a:endParaRPr lang="en-PK"/>
+          </a:p>
+        </p:txBody>
       </p:sp>
       <p:sp>
         <p:nvSpPr>
@@ -13592,6 +13717,20 @@
 <file path=ppt/slides/slide1.xml><?xml version="1.0" encoding="utf-8"?>
 <p:sld xmlns:a="http://schemas.openxmlformats.org/drawingml/2006/main" xmlns:r="http://schemas.openxmlformats.org/officeDocument/2006/relationships" xmlns:p="http://schemas.openxmlformats.org/presentationml/2006/main">
   <p:cSld>
+    <p:bg>
+      <p:bgPr>
+        <a:blipFill dpi="0" rotWithShape="1">
+          <a:blip r:embed="rId2">
+            <a:lum/>
+          </a:blip>
+          <a:srcRect/>
+          <a:stretch>
+            <a:fillRect/>
+          </a:stretch>
+        </a:blipFill>
+        <a:effectLst/>
+      </p:bgPr>
+    </p:bg>
     <p:spTree>
       <p:nvGrpSpPr>
         <p:cNvPr id="1" name=""/>
@@ -13616,12 +13755,33 @@
             <p:ph type="ctrTitle"/>
           </p:nvPr>
         </p:nvSpPr>
-        <p:spPr/>
+        <p:spPr>
+          <a:xfrm>
+            <a:off x="601671" y="680311"/>
+            <a:ext cx="7940660" cy="1832459"/>
+          </a:xfrm>
+        </p:spPr>
         <p:txBody>
-          <a:bodyPr/>
+          <a:bodyPr>
+            <a:normAutofit fontScale="90000"/>
+          </a:bodyPr>
           <a:lstStyle/>
           <a:p>
-            <a:endParaRPr lang="en-US"/>
+            <a:r>
+              <a:rPr lang="en-US" b="1" u="sng" dirty="0"/>
+              <a:t>Hospital Management </a:t>
+            </a:r>
+            <a:br>
+              <a:rPr lang="en-US" b="1" u="sng" dirty="0"/>
+            </a:br>
+            <a:r>
+              <a:rPr lang="en-US" b="1" u="sng" dirty="0"/>
+              <a:t>System</a:t>
+            </a:r>
+            <a:br>
+              <a:rPr lang="en-US" sz="3600" dirty="0"/>
+            </a:br>
+            <a:endParaRPr lang="en-US" sz="3600" dirty="0"/>
           </a:p>
         </p:txBody>
       </p:sp>
@@ -13635,49 +13795,41 @@
             <p:ph type="subTitle" idx="1"/>
           </p:nvPr>
         </p:nvSpPr>
-        <p:spPr/>
+        <p:spPr>
+          <a:xfrm>
+            <a:off x="601670" y="3887115"/>
+            <a:ext cx="7787955" cy="1832460"/>
+          </a:xfrm>
+        </p:spPr>
         <p:txBody>
-          <a:bodyPr/>
+          <a:bodyPr>
+            <a:noAutofit/>
+          </a:bodyPr>
           <a:lstStyle/>
           <a:p>
-            <a:endParaRPr lang="en-US"/>
+            <a:r>
+              <a:rPr lang="en-US" sz="2800" b="1" dirty="0"/>
+              <a:t>By Mannan Rauf</a:t>
+            </a:r>
+          </a:p>
+          <a:p>
+            <a:r>
+              <a:rPr lang="en-US" sz="2800" b="1" dirty="0"/>
+              <a:t>Faraz Ul Abrar </a:t>
+            </a:r>
+          </a:p>
+          <a:p>
+            <a:r>
+              <a:rPr lang="en-US" sz="2800" b="1" dirty="0"/>
+              <a:t>Muhammad Osama Nusrat</a:t>
+            </a:r>
           </a:p>
         </p:txBody>
       </p:sp>
-      <p:pic>
-        <p:nvPicPr>
-          <p:cNvPr id="4" name="Picture 3"/>
-          <p:cNvPicPr>
-            <a:picLocks noChangeAspect="1"/>
-          </p:cNvPicPr>
-          <p:nvPr/>
-        </p:nvPicPr>
-        <p:blipFill>
-          <a:blip r:embed="rId2">
-            <a:extLst>
-              <a:ext uri="{28A0092B-C50C-407E-A947-70E740481C1C}">
-                <a14:useLocalDpi xmlns:a14="http://schemas.microsoft.com/office/drawing/2010/main" val="0"/>
-              </a:ext>
-            </a:extLst>
-          </a:blip>
-          <a:stretch>
-            <a:fillRect/>
-          </a:stretch>
-        </p:blipFill>
-        <p:spPr>
-          <a:xfrm>
-            <a:off x="0" y="0"/>
-            <a:ext cx="9144000" cy="6858000"/>
-          </a:xfrm>
-          <a:prstGeom prst="rect">
-            <a:avLst/>
-          </a:prstGeom>
-        </p:spPr>
-      </p:pic>
     </p:spTree>
     <p:extLst>
       <p:ext uri="{BB962C8B-B14F-4D97-AF65-F5344CB8AC3E}">
-        <p14:creationId xmlns:p14="http://schemas.microsoft.com/office/powerpoint/2010/main" val="2214223398"/>
+        <p14:creationId xmlns:p14="http://schemas.microsoft.com/office/powerpoint/2010/main" val="363920370"/>
       </p:ext>
     </p:extLst>
   </p:cSld>
@@ -13691,83 +13843,6 @@
 </file>
 
 <file path=ppt/slides/slide10.xml><?xml version="1.0" encoding="utf-8"?>
-<p:sld xmlns:a="http://schemas.openxmlformats.org/drawingml/2006/main" xmlns:r="http://schemas.openxmlformats.org/officeDocument/2006/relationships" xmlns:p="http://schemas.openxmlformats.org/presentationml/2006/main">
-  <p:cSld>
-    <p:bg>
-      <p:bgPr>
-        <a:solidFill>
-          <a:schemeClr val="tx1"/>
-        </a:solidFill>
-        <a:effectLst/>
-      </p:bgPr>
-    </p:bg>
-    <p:spTree>
-      <p:nvGrpSpPr>
-        <p:cNvPr id="1" name=""/>
-        <p:cNvGrpSpPr/>
-        <p:nvPr/>
-      </p:nvGrpSpPr>
-      <p:grpSpPr>
-        <a:xfrm>
-          <a:off x="0" y="0"/>
-          <a:ext cx="0" cy="0"/>
-          <a:chOff x="0" y="0"/>
-          <a:chExt cx="0" cy="0"/>
-        </a:xfrm>
-      </p:grpSpPr>
-      <p:pic>
-        <p:nvPicPr>
-          <p:cNvPr id="3" name="Picture 2">
-            <a:extLst>
-              <a:ext uri="{FF2B5EF4-FFF2-40B4-BE49-F238E27FC236}">
-                <a16:creationId xmlns:a16="http://schemas.microsoft.com/office/drawing/2014/main" id="{6628352C-A2F6-406B-81DB-D183361388AD}"/>
-              </a:ext>
-            </a:extLst>
-          </p:cNvPr>
-          <p:cNvPicPr>
-            <a:picLocks noChangeAspect="1"/>
-          </p:cNvPicPr>
-          <p:nvPr/>
-        </p:nvPicPr>
-        <p:blipFill>
-          <a:blip r:embed="rId2">
-            <a:extLst>
-              <a:ext uri="{28A0092B-C50C-407E-A947-70E740481C1C}">
-                <a14:useLocalDpi xmlns:a14="http://schemas.microsoft.com/office/drawing/2010/main" val="0"/>
-              </a:ext>
-            </a:extLst>
-          </a:blip>
-          <a:stretch>
-            <a:fillRect/>
-          </a:stretch>
-        </p:blipFill>
-        <p:spPr>
-          <a:xfrm>
-            <a:off x="117484" y="0"/>
-            <a:ext cx="9026516" cy="4650640"/>
-          </a:xfrm>
-          <a:prstGeom prst="rect">
-            <a:avLst/>
-          </a:prstGeom>
-        </p:spPr>
-      </p:pic>
-    </p:spTree>
-    <p:extLst>
-      <p:ext uri="{BB962C8B-B14F-4D97-AF65-F5344CB8AC3E}">
-        <p14:creationId xmlns:p14="http://schemas.microsoft.com/office/powerpoint/2010/main" val="2022036922"/>
-      </p:ext>
-    </p:extLst>
-  </p:cSld>
-  <p:clrMapOvr>
-    <a:masterClrMapping/>
-  </p:clrMapOvr>
-  <p:transition spd="med">
-    <p:pull/>
-  </p:transition>
-</p:sld>
-</file>
-
-<file path=ppt/slides/slide11.xml><?xml version="1.0" encoding="utf-8"?>
 <p:sld xmlns:a="http://schemas.openxmlformats.org/drawingml/2006/main" xmlns:r="http://schemas.openxmlformats.org/officeDocument/2006/relationships" xmlns:p="http://schemas.openxmlformats.org/presentationml/2006/main">
   <p:cSld>
     <p:spTree>
@@ -14418,7 +14493,7 @@
 </p:sld>
 </file>
 
-<file path=ppt/slides/slide12.xml><?xml version="1.0" encoding="utf-8"?>
+<file path=ppt/slides/slide11.xml><?xml version="1.0" encoding="utf-8"?>
 <p:sld xmlns:a="http://schemas.openxmlformats.org/drawingml/2006/main" xmlns:r="http://schemas.openxmlformats.org/officeDocument/2006/relationships" xmlns:p="http://schemas.openxmlformats.org/presentationml/2006/main">
   <p:cSld>
     <p:spTree>
@@ -15008,7 +15083,7 @@
 </p:sld>
 </file>
 
-<file path=ppt/slides/slide13.xml><?xml version="1.0" encoding="utf-8"?>
+<file path=ppt/slides/slide12.xml><?xml version="1.0" encoding="utf-8"?>
 <p:sld xmlns:a="http://schemas.openxmlformats.org/drawingml/2006/main" xmlns:r="http://schemas.openxmlformats.org/officeDocument/2006/relationships" xmlns:p="http://schemas.openxmlformats.org/presentationml/2006/main">
   <p:cSld>
     <p:spTree>
@@ -15119,7 +15194,7 @@
 </p:sld>
 </file>
 
-<file path=ppt/slides/slide14.xml><?xml version="1.0" encoding="utf-8"?>
+<file path=ppt/slides/slide13.xml><?xml version="1.0" encoding="utf-8"?>
 <p:sld xmlns:a="http://schemas.openxmlformats.org/drawingml/2006/main" xmlns:r="http://schemas.openxmlformats.org/officeDocument/2006/relationships" xmlns:p="http://schemas.openxmlformats.org/presentationml/2006/main">
   <p:cSld>
     <p:spTree>
@@ -15175,7 +15250,7 @@
 </p:sld>
 </file>
 
-<file path=ppt/slides/slide15.xml><?xml version="1.0" encoding="utf-8"?>
+<file path=ppt/slides/slide14.xml><?xml version="1.0" encoding="utf-8"?>
 <p:sld xmlns:a="http://schemas.openxmlformats.org/drawingml/2006/main" xmlns:r="http://schemas.openxmlformats.org/officeDocument/2006/relationships" xmlns:p="http://schemas.openxmlformats.org/presentationml/2006/main">
   <p:cSld>
     <p:spTree>
@@ -15676,7 +15751,7 @@
 </p:sld>
 </file>
 
-<file path=ppt/slides/slide16.xml><?xml version="1.0" encoding="utf-8"?>
+<file path=ppt/slides/slide15.xml><?xml version="1.0" encoding="utf-8"?>
 <p:sld xmlns:a="http://schemas.openxmlformats.org/drawingml/2006/main" xmlns:r="http://schemas.openxmlformats.org/officeDocument/2006/relationships" xmlns:p="http://schemas.openxmlformats.org/presentationml/2006/main">
   <p:cSld>
     <p:spTree>
@@ -15742,134 +15817,6 @@
 </file>
 
 <file path=ppt/slides/slide2.xml><?xml version="1.0" encoding="utf-8"?>
-<p:sld xmlns:a="http://schemas.openxmlformats.org/drawingml/2006/main" xmlns:r="http://schemas.openxmlformats.org/officeDocument/2006/relationships" xmlns:p="http://schemas.openxmlformats.org/presentationml/2006/main">
-  <p:cSld>
-    <p:bg>
-      <p:bgPr>
-        <a:blipFill dpi="0" rotWithShape="1">
-          <a:blip r:embed="rId2">
-            <a:lum/>
-          </a:blip>
-          <a:srcRect/>
-          <a:stretch>
-            <a:fillRect/>
-          </a:stretch>
-        </a:blipFill>
-        <a:effectLst/>
-      </p:bgPr>
-    </p:bg>
-    <p:spTree>
-      <p:nvGrpSpPr>
-        <p:cNvPr id="1" name=""/>
-        <p:cNvGrpSpPr/>
-        <p:nvPr/>
-      </p:nvGrpSpPr>
-      <p:grpSpPr>
-        <a:xfrm>
-          <a:off x="0" y="0"/>
-          <a:ext cx="0" cy="0"/>
-          <a:chOff x="0" y="0"/>
-          <a:chExt cx="0" cy="0"/>
-        </a:xfrm>
-      </p:grpSpPr>
-      <p:sp>
-        <p:nvSpPr>
-          <p:cNvPr id="2" name="Title 1"/>
-          <p:cNvSpPr>
-            <a:spLocks noGrp="1"/>
-          </p:cNvSpPr>
-          <p:nvPr>
-            <p:ph type="ctrTitle"/>
-          </p:nvPr>
-        </p:nvSpPr>
-        <p:spPr>
-          <a:xfrm>
-            <a:off x="601671" y="680311"/>
-            <a:ext cx="7940660" cy="1832459"/>
-          </a:xfrm>
-        </p:spPr>
-        <p:txBody>
-          <a:bodyPr>
-            <a:normAutofit fontScale="90000"/>
-          </a:bodyPr>
-          <a:lstStyle/>
-          <a:p>
-            <a:r>
-              <a:rPr lang="en-US" b="1" u="sng" dirty="0"/>
-              <a:t>Hospital Management </a:t>
-            </a:r>
-            <a:br>
-              <a:rPr lang="en-US" b="1" u="sng" dirty="0"/>
-            </a:br>
-            <a:r>
-              <a:rPr lang="en-US" b="1" u="sng" dirty="0"/>
-              <a:t>System</a:t>
-            </a:r>
-            <a:br>
-              <a:rPr lang="en-US" sz="3600" dirty="0"/>
-            </a:br>
-            <a:endParaRPr lang="en-US" sz="3600" dirty="0"/>
-          </a:p>
-        </p:txBody>
-      </p:sp>
-      <p:sp>
-        <p:nvSpPr>
-          <p:cNvPr id="3" name="Subtitle 2"/>
-          <p:cNvSpPr>
-            <a:spLocks noGrp="1"/>
-          </p:cNvSpPr>
-          <p:nvPr>
-            <p:ph type="subTitle" idx="1"/>
-          </p:nvPr>
-        </p:nvSpPr>
-        <p:spPr>
-          <a:xfrm>
-            <a:off x="601670" y="3887115"/>
-            <a:ext cx="7787955" cy="1832460"/>
-          </a:xfrm>
-        </p:spPr>
-        <p:txBody>
-          <a:bodyPr>
-            <a:noAutofit/>
-          </a:bodyPr>
-          <a:lstStyle/>
-          <a:p>
-            <a:r>
-              <a:rPr lang="en-US" sz="2800" b="1" dirty="0"/>
-              <a:t>By Mannan Rauf</a:t>
-            </a:r>
-          </a:p>
-          <a:p>
-            <a:r>
-              <a:rPr lang="en-US" sz="2800" b="1" dirty="0"/>
-              <a:t>Faraz Ul Abrar </a:t>
-            </a:r>
-          </a:p>
-          <a:p>
-            <a:r>
-              <a:rPr lang="en-US" sz="2800" b="1" dirty="0"/>
-              <a:t>Muhammad Osama Nusrat</a:t>
-            </a:r>
-          </a:p>
-        </p:txBody>
-      </p:sp>
-    </p:spTree>
-    <p:extLst>
-      <p:ext uri="{BB962C8B-B14F-4D97-AF65-F5344CB8AC3E}">
-        <p14:creationId xmlns:p14="http://schemas.microsoft.com/office/powerpoint/2010/main" val="363920370"/>
-      </p:ext>
-    </p:extLst>
-  </p:cSld>
-  <p:clrMapOvr>
-    <a:masterClrMapping/>
-  </p:clrMapOvr>
-  <p:transition spd="med">
-    <p:pull/>
-  </p:transition>
-</p:sld>
-</file>
-
-<file path=ppt/slides/slide3.xml><?xml version="1.0" encoding="utf-8"?>
 <p:sld xmlns:a="http://schemas.openxmlformats.org/drawingml/2006/main" xmlns:r="http://schemas.openxmlformats.org/officeDocument/2006/relationships" xmlns:p="http://schemas.openxmlformats.org/presentationml/2006/main">
   <p:cSld>
     <p:spTree>
@@ -16304,7 +16251,7 @@
 </p:sld>
 </file>
 
-<file path=ppt/slides/slide4.xml><?xml version="1.0" encoding="utf-8"?>
+<file path=ppt/slides/slide3.xml><?xml version="1.0" encoding="utf-8"?>
 <p:sld xmlns:a="http://schemas.openxmlformats.org/drawingml/2006/main" xmlns:r="http://schemas.openxmlformats.org/officeDocument/2006/relationships" xmlns:p="http://schemas.openxmlformats.org/presentationml/2006/main">
   <p:cSld>
     <p:spTree>
@@ -16555,7 +16502,7 @@
 </p:sld>
 </file>
 
-<file path=ppt/slides/slide5.xml><?xml version="1.0" encoding="utf-8"?>
+<file path=ppt/slides/slide4.xml><?xml version="1.0" encoding="utf-8"?>
 <p:sld xmlns:a="http://schemas.openxmlformats.org/drawingml/2006/main" xmlns:r="http://schemas.openxmlformats.org/officeDocument/2006/relationships" xmlns:p="http://schemas.openxmlformats.org/presentationml/2006/main">
   <p:cSld>
     <p:bg>
@@ -17079,7 +17026,7 @@
 </p:sld>
 </file>
 
-<file path=ppt/slides/slide6.xml><?xml version="1.0" encoding="utf-8"?>
+<file path=ppt/slides/slide5.xml><?xml version="1.0" encoding="utf-8"?>
 <p:sld xmlns:a="http://schemas.openxmlformats.org/drawingml/2006/main" xmlns:r="http://schemas.openxmlformats.org/officeDocument/2006/relationships" xmlns:p="http://schemas.openxmlformats.org/presentationml/2006/main">
   <p:cSld>
     <p:spTree>
@@ -17812,7 +17759,7 @@
 </p:sld>
 </file>
 
-<file path=ppt/slides/slide7.xml><?xml version="1.0" encoding="utf-8"?>
+<file path=ppt/slides/slide6.xml><?xml version="1.0" encoding="utf-8"?>
 <p:sld xmlns:a="http://schemas.openxmlformats.org/drawingml/2006/main" xmlns:r="http://schemas.openxmlformats.org/officeDocument/2006/relationships" xmlns:p="http://schemas.openxmlformats.org/presentationml/2006/main">
   <p:cSld>
     <p:spTree>
@@ -18423,7 +18370,7 @@
 </p:sld>
 </file>
 
-<file path=ppt/slides/slide8.xml><?xml version="1.0" encoding="utf-8"?>
+<file path=ppt/slides/slide7.xml><?xml version="1.0" encoding="utf-8"?>
 <p:sld xmlns:a="http://schemas.openxmlformats.org/drawingml/2006/main" xmlns:r="http://schemas.openxmlformats.org/officeDocument/2006/relationships" xmlns:p="http://schemas.openxmlformats.org/presentationml/2006/main">
   <p:cSld>
     <p:spTree>
@@ -19103,7 +19050,7 @@
 </p:sld>
 </file>
 
-<file path=ppt/slides/slide9.xml><?xml version="1.0" encoding="utf-8"?>
+<file path=ppt/slides/slide8.xml><?xml version="1.0" encoding="utf-8"?>
 <p:sld xmlns:a="http://schemas.openxmlformats.org/drawingml/2006/main" xmlns:r="http://schemas.openxmlformats.org/officeDocument/2006/relationships" xmlns:p="http://schemas.openxmlformats.org/presentationml/2006/main">
   <p:cSld>
     <p:bg>
@@ -19192,6 +19139,83 @@
     <p:extLst>
       <p:ext uri="{BB962C8B-B14F-4D97-AF65-F5344CB8AC3E}">
         <p14:creationId xmlns:p14="http://schemas.microsoft.com/office/powerpoint/2010/main" val="3647577208"/>
+      </p:ext>
+    </p:extLst>
+  </p:cSld>
+  <p:clrMapOvr>
+    <a:masterClrMapping/>
+  </p:clrMapOvr>
+  <p:transition spd="med">
+    <p:pull/>
+  </p:transition>
+</p:sld>
+</file>
+
+<file path=ppt/slides/slide9.xml><?xml version="1.0" encoding="utf-8"?>
+<p:sld xmlns:a="http://schemas.openxmlformats.org/drawingml/2006/main" xmlns:r="http://schemas.openxmlformats.org/officeDocument/2006/relationships" xmlns:p="http://schemas.openxmlformats.org/presentationml/2006/main">
+  <p:cSld>
+    <p:bg>
+      <p:bgPr>
+        <a:solidFill>
+          <a:schemeClr val="tx1"/>
+        </a:solidFill>
+        <a:effectLst/>
+      </p:bgPr>
+    </p:bg>
+    <p:spTree>
+      <p:nvGrpSpPr>
+        <p:cNvPr id="1" name=""/>
+        <p:cNvGrpSpPr/>
+        <p:nvPr/>
+      </p:nvGrpSpPr>
+      <p:grpSpPr>
+        <a:xfrm>
+          <a:off x="0" y="0"/>
+          <a:ext cx="0" cy="0"/>
+          <a:chOff x="0" y="0"/>
+          <a:chExt cx="0" cy="0"/>
+        </a:xfrm>
+      </p:grpSpPr>
+      <p:pic>
+        <p:nvPicPr>
+          <p:cNvPr id="3" name="Picture 2">
+            <a:extLst>
+              <a:ext uri="{FF2B5EF4-FFF2-40B4-BE49-F238E27FC236}">
+                <a16:creationId xmlns:a16="http://schemas.microsoft.com/office/drawing/2014/main" id="{6628352C-A2F6-406B-81DB-D183361388AD}"/>
+              </a:ext>
+            </a:extLst>
+          </p:cNvPr>
+          <p:cNvPicPr>
+            <a:picLocks noChangeAspect="1"/>
+          </p:cNvPicPr>
+          <p:nvPr/>
+        </p:nvPicPr>
+        <p:blipFill>
+          <a:blip r:embed="rId2">
+            <a:extLst>
+              <a:ext uri="{28A0092B-C50C-407E-A947-70E740481C1C}">
+                <a14:useLocalDpi xmlns:a14="http://schemas.microsoft.com/office/drawing/2010/main" val="0"/>
+              </a:ext>
+            </a:extLst>
+          </a:blip>
+          <a:stretch>
+            <a:fillRect/>
+          </a:stretch>
+        </p:blipFill>
+        <p:spPr>
+          <a:xfrm>
+            <a:off x="117484" y="0"/>
+            <a:ext cx="9026516" cy="4650640"/>
+          </a:xfrm>
+          <a:prstGeom prst="rect">
+            <a:avLst/>
+          </a:prstGeom>
+        </p:spPr>
+      </p:pic>
+    </p:spTree>
+    <p:extLst>
+      <p:ext uri="{BB962C8B-B14F-4D97-AF65-F5344CB8AC3E}">
+        <p14:creationId xmlns:p14="http://schemas.microsoft.com/office/powerpoint/2010/main" val="2022036922"/>
       </p:ext>
     </p:extLst>
   </p:cSld>
